--- a/7-4 How to start with Vuejs.pptx
+++ b/7-4 How to start with Vuejs.pptx
@@ -8139,14 +8139,7 @@
                 <a:latin typeface="Times New Roman" panose="02020603050405020304" pitchFamily="18" charset="0"/>
                 <a:cs typeface="Times New Roman" panose="02020603050405020304" pitchFamily="18" charset="0"/>
               </a:rPr>
-              <a:t>Getting </a:t>
-            </a:r>
-            <a:r>
-              <a:rPr lang="en-US" dirty="0">
-                <a:latin typeface="Times New Roman" panose="02020603050405020304" pitchFamily="18" charset="0"/>
-                <a:cs typeface="Times New Roman" panose="02020603050405020304" pitchFamily="18" charset="0"/>
-              </a:rPr>
-              <a:t>started with </a:t>
+              <a:t>How to start with </a:t>
             </a:r>
             <a:r>
               <a:rPr lang="en-US" dirty="0" smtClean="0">
@@ -8154,6 +8147,13 @@
                 <a:cs typeface="Times New Roman" panose="02020603050405020304" pitchFamily="18" charset="0"/>
               </a:rPr>
               <a:t>Vue.js</a:t>
+            </a:r>
+            <a:r>
+              <a:rPr lang="en-US" dirty="0" smtClean="0">
+                <a:latin typeface="Times New Roman" panose="02020603050405020304" pitchFamily="18" charset="0"/>
+                <a:cs typeface="Times New Roman" panose="02020603050405020304" pitchFamily="18" charset="0"/>
+              </a:rPr>
+              <a:t/>
             </a:r>
             <a:br>
               <a:rPr lang="en-US" dirty="0" smtClean="0">
